--- a/PPT_Mae_Gestante-APP.pptx
+++ b/PPT_Mae_Gestante-APP.pptx
@@ -4141,7 +4141,7 @@
         <p:spPr>
           <a:xfrm>
             <a:off x="0" y="0"/>
-            <a:ext cx="12187440" cy="6854760"/>
+            <a:ext cx="12187080" cy="6854400"/>
           </a:xfrm>
           <a:prstGeom prst="rect">
             <a:avLst/>
@@ -4164,7 +4164,7 @@
         <p:spPr>
           <a:xfrm>
             <a:off x="0" y="0"/>
-            <a:ext cx="12187440" cy="6854760"/>
+            <a:ext cx="12187080" cy="6854400"/>
           </a:xfrm>
           <a:prstGeom prst="rect">
             <a:avLst/>
@@ -4481,7 +4481,7 @@
         <p:spPr>
           <a:xfrm>
             <a:off x="0" y="0"/>
-            <a:ext cx="12187440" cy="6854760"/>
+            <a:ext cx="12187080" cy="6854400"/>
           </a:xfrm>
           <a:prstGeom prst="rect">
             <a:avLst/>
@@ -4767,7 +4767,7 @@
         <p:spPr>
           <a:xfrm>
             <a:off x="0" y="0"/>
-            <a:ext cx="12186720" cy="6854040"/>
+            <a:ext cx="12186360" cy="6853680"/>
           </a:xfrm>
           <a:prstGeom prst="rect">
             <a:avLst/>
@@ -5039,7 +5039,7 @@
         <p:spPr>
           <a:xfrm>
             <a:off x="2692440" y="1871280"/>
-            <a:ext cx="6814080" cy="1514160"/>
+            <a:ext cx="6813720" cy="1513800"/>
           </a:xfrm>
           <a:prstGeom prst="rect">
             <a:avLst/>
@@ -5090,7 +5090,7 @@
         <p:spPr>
           <a:xfrm>
             <a:off x="2692440" y="3657600"/>
-            <a:ext cx="6814080" cy="1319400"/>
+            <a:ext cx="6813720" cy="1319040"/>
           </a:xfrm>
           <a:prstGeom prst="rect">
             <a:avLst/>
@@ -5180,7 +5180,7 @@
         <p:spPr>
           <a:xfrm>
             <a:off x="6525000" y="467280"/>
-            <a:ext cx="3930840" cy="1598760"/>
+            <a:ext cx="3930480" cy="1598400"/>
           </a:xfrm>
           <a:prstGeom prst="rect">
             <a:avLst/>
@@ -5231,7 +5231,7 @@
         <p:spPr>
           <a:xfrm>
             <a:off x="6525000" y="2067480"/>
-            <a:ext cx="3930840" cy="3810240"/>
+            <a:ext cx="3930480" cy="3809880"/>
           </a:xfrm>
           <a:prstGeom prst="rect">
             <a:avLst/>
@@ -5252,7 +5252,7 @@
             <a:noAutofit/>
           </a:bodyPr>
           <a:p>
-            <a:pPr marL="285840" indent="-284400" algn="just">
+            <a:pPr marL="285840" indent="-284040" algn="just">
               <a:lnSpc>
                 <a:spcPct val="100000"/>
               </a:lnSpc>
@@ -5284,7 +5284,7 @@
             </a:endParaRPr>
           </a:p>
           <a:p>
-            <a:pPr marL="285840" indent="-284400" algn="just">
+            <a:pPr marL="285840" indent="-284040" algn="just">
               <a:lnSpc>
                 <a:spcPct val="100000"/>
               </a:lnSpc>
@@ -5316,7 +5316,7 @@
             </a:endParaRPr>
           </a:p>
           <a:p>
-            <a:pPr marL="285840" indent="-284400" algn="just">
+            <a:pPr marL="285840" indent="-284040" algn="just">
               <a:lnSpc>
                 <a:spcPct val="100000"/>
               </a:lnSpc>
@@ -5362,7 +5362,7 @@
         <p:spPr>
           <a:xfrm>
             <a:off x="2112840" y="838440"/>
-            <a:ext cx="3067200" cy="5305320"/>
+            <a:ext cx="3066840" cy="5304960"/>
           </a:xfrm>
           <a:prstGeom prst="rect">
             <a:avLst/>
@@ -5411,7 +5411,7 @@
         <p:spPr>
           <a:xfrm>
             <a:off x="6405840" y="467280"/>
-            <a:ext cx="3930840" cy="1598760"/>
+            <a:ext cx="3930480" cy="1598400"/>
           </a:xfrm>
           <a:prstGeom prst="rect">
             <a:avLst/>
@@ -5462,7 +5462,7 @@
         <p:spPr>
           <a:xfrm>
             <a:off x="6405840" y="2067480"/>
-            <a:ext cx="3930840" cy="3810240"/>
+            <a:ext cx="3930480" cy="3809880"/>
           </a:xfrm>
           <a:prstGeom prst="rect">
             <a:avLst/>
@@ -5483,7 +5483,7 @@
             <a:noAutofit/>
           </a:bodyPr>
           <a:p>
-            <a:pPr marL="285840" indent="-284400" algn="just">
+            <a:pPr marL="285840" indent="-284040" algn="just">
               <a:lnSpc>
                 <a:spcPct val="100000"/>
               </a:lnSpc>
@@ -5515,7 +5515,7 @@
             </a:endParaRPr>
           </a:p>
           <a:p>
-            <a:pPr marL="285840" indent="-284400" algn="just">
+            <a:pPr marL="285840" indent="-284040" algn="just">
               <a:lnSpc>
                 <a:spcPct val="100000"/>
               </a:lnSpc>
@@ -5561,7 +5561,7 @@
         <p:spPr>
           <a:xfrm>
             <a:off x="1908360" y="824040"/>
-            <a:ext cx="3232080" cy="5053680"/>
+            <a:ext cx="3231720" cy="5053320"/>
           </a:xfrm>
           <a:prstGeom prst="rect">
             <a:avLst/>
@@ -5610,7 +5610,7 @@
         <p:spPr>
           <a:xfrm>
             <a:off x="6511680" y="467280"/>
-            <a:ext cx="3930840" cy="1598760"/>
+            <a:ext cx="3930480" cy="1598400"/>
           </a:xfrm>
           <a:prstGeom prst="rect">
             <a:avLst/>
@@ -5661,7 +5661,7 @@
         <p:spPr>
           <a:xfrm>
             <a:off x="6511680" y="2067480"/>
-            <a:ext cx="3930840" cy="3810240"/>
+            <a:ext cx="3930480" cy="3809880"/>
           </a:xfrm>
           <a:prstGeom prst="rect">
             <a:avLst/>
@@ -5682,7 +5682,7 @@
             <a:normAutofit fontScale="94000"/>
           </a:bodyPr>
           <a:p>
-            <a:pPr marL="285840" indent="-284400" algn="just">
+            <a:pPr marL="285840" indent="-284040" algn="just">
               <a:lnSpc>
                 <a:spcPct val="100000"/>
               </a:lnSpc>
@@ -5714,7 +5714,7 @@
             </a:endParaRPr>
           </a:p>
           <a:p>
-            <a:pPr marL="285840" indent="-284400" algn="just">
+            <a:pPr marL="285840" indent="-284040" algn="just">
               <a:lnSpc>
                 <a:spcPct val="100000"/>
               </a:lnSpc>
@@ -5746,7 +5746,7 @@
             </a:endParaRPr>
           </a:p>
           <a:p>
-            <a:pPr marL="285840" indent="-284400" algn="just">
+            <a:pPr marL="285840" indent="-284040" algn="just">
               <a:lnSpc>
                 <a:spcPct val="100000"/>
               </a:lnSpc>
@@ -5792,7 +5792,7 @@
         <p:spPr>
           <a:xfrm>
             <a:off x="2135160" y="875160"/>
-            <a:ext cx="3048840" cy="5135040"/>
+            <a:ext cx="3048480" cy="5134680"/>
           </a:xfrm>
           <a:prstGeom prst="rect">
             <a:avLst/>
@@ -5841,7 +5841,7 @@
         <p:spPr>
           <a:xfrm>
             <a:off x="6472080" y="717480"/>
-            <a:ext cx="3930840" cy="1598760"/>
+            <a:ext cx="3930480" cy="1598400"/>
           </a:xfrm>
           <a:prstGeom prst="rect">
             <a:avLst/>
@@ -5892,7 +5892,7 @@
         <p:spPr>
           <a:xfrm>
             <a:off x="6312960" y="2222280"/>
-            <a:ext cx="3930840" cy="3810240"/>
+            <a:ext cx="3930480" cy="3809880"/>
           </a:xfrm>
           <a:prstGeom prst="rect">
             <a:avLst/>
@@ -5913,7 +5913,7 @@
             <a:noAutofit/>
           </a:bodyPr>
           <a:p>
-            <a:pPr marL="285840" indent="-284400" algn="just">
+            <a:pPr marL="285840" indent="-284040" algn="just">
               <a:lnSpc>
                 <a:spcPct val="100000"/>
               </a:lnSpc>
@@ -5945,7 +5945,7 @@
             </a:endParaRPr>
           </a:p>
           <a:p>
-            <a:pPr marL="285840" indent="-284400" algn="just">
+            <a:pPr marL="285840" indent="-284040" algn="just">
               <a:lnSpc>
                 <a:spcPct val="100000"/>
               </a:lnSpc>
@@ -5977,7 +5977,7 @@
             </a:endParaRPr>
           </a:p>
           <a:p>
-            <a:pPr marL="285840" indent="-284400" algn="just">
+            <a:pPr marL="285840" indent="-284040" algn="just">
               <a:lnSpc>
                 <a:spcPct val="100000"/>
               </a:lnSpc>
@@ -6023,7 +6023,7 @@
         <p:spPr>
           <a:xfrm>
             <a:off x="1924200" y="717480"/>
-            <a:ext cx="3163320" cy="5315040"/>
+            <a:ext cx="3162960" cy="5314680"/>
           </a:xfrm>
           <a:prstGeom prst="rect">
             <a:avLst/>
@@ -6072,7 +6072,7 @@
         <p:spPr>
           <a:xfrm>
             <a:off x="6246720" y="560160"/>
-            <a:ext cx="3930840" cy="1598760"/>
+            <a:ext cx="3930480" cy="1598400"/>
           </a:xfrm>
           <a:prstGeom prst="rect">
             <a:avLst/>
@@ -6133,7 +6133,7 @@
         <p:spPr>
           <a:xfrm>
             <a:off x="6246720" y="2160360"/>
-            <a:ext cx="3930840" cy="3810240"/>
+            <a:ext cx="3930480" cy="3809880"/>
           </a:xfrm>
           <a:prstGeom prst="rect">
             <a:avLst/>
@@ -6154,7 +6154,7 @@
             <a:noAutofit/>
           </a:bodyPr>
           <a:p>
-            <a:pPr marL="285840" indent="-284400" algn="just">
+            <a:pPr marL="285840" indent="-284040" algn="just">
               <a:lnSpc>
                 <a:spcPct val="100000"/>
               </a:lnSpc>
@@ -6186,7 +6186,7 @@
             </a:endParaRPr>
           </a:p>
           <a:p>
-            <a:pPr marL="285840" indent="-284400" algn="just">
+            <a:pPr marL="285840" indent="-284040" algn="just">
               <a:lnSpc>
                 <a:spcPct val="100000"/>
               </a:lnSpc>
@@ -6218,7 +6218,7 @@
             </a:endParaRPr>
           </a:p>
           <a:p>
-            <a:pPr marL="285840" indent="-284400" algn="just">
+            <a:pPr marL="285840" indent="-284040" algn="just">
               <a:lnSpc>
                 <a:spcPct val="100000"/>
               </a:lnSpc>
@@ -6264,7 +6264,7 @@
         <p:spPr>
           <a:xfrm>
             <a:off x="1669680" y="811800"/>
-            <a:ext cx="3260880" cy="5256000"/>
+            <a:ext cx="3260520" cy="5255640"/>
           </a:xfrm>
           <a:prstGeom prst="rect">
             <a:avLst/>
@@ -6313,7 +6313,7 @@
         <p:spPr>
           <a:xfrm>
             <a:off x="6458760" y="599760"/>
-            <a:ext cx="3930840" cy="1598760"/>
+            <a:ext cx="3930480" cy="1598400"/>
           </a:xfrm>
           <a:prstGeom prst="rect">
             <a:avLst/>
@@ -6364,7 +6364,7 @@
         <p:spPr>
           <a:xfrm>
             <a:off x="6458760" y="2067480"/>
-            <a:ext cx="3930840" cy="3810240"/>
+            <a:ext cx="3930480" cy="3809880"/>
           </a:xfrm>
           <a:prstGeom prst="rect">
             <a:avLst/>
@@ -6385,7 +6385,7 @@
             <a:noAutofit/>
           </a:bodyPr>
           <a:p>
-            <a:pPr marL="285840" indent="-284400" algn="just">
+            <a:pPr marL="285840" indent="-284040" algn="just">
               <a:lnSpc>
                 <a:spcPct val="100000"/>
               </a:lnSpc>
@@ -6417,7 +6417,7 @@
             </a:endParaRPr>
           </a:p>
           <a:p>
-            <a:pPr marL="285840" indent="-284400" algn="just">
+            <a:pPr marL="285840" indent="-284040" algn="just">
               <a:lnSpc>
                 <a:spcPct val="100000"/>
               </a:lnSpc>
@@ -6449,7 +6449,7 @@
             </a:endParaRPr>
           </a:p>
           <a:p>
-            <a:pPr marL="285840" indent="-284400" algn="just">
+            <a:pPr marL="285840" indent="-284040" algn="just">
               <a:lnSpc>
                 <a:spcPct val="100000"/>
               </a:lnSpc>
@@ -6495,7 +6495,7 @@
         <p:spPr>
           <a:xfrm>
             <a:off x="2135520" y="708480"/>
-            <a:ext cx="3036240" cy="5306760"/>
+            <a:ext cx="3035880" cy="5306400"/>
           </a:xfrm>
           <a:prstGeom prst="rect">
             <a:avLst/>
@@ -6544,7 +6544,7 @@
         <p:spPr>
           <a:xfrm>
             <a:off x="6418800" y="613080"/>
-            <a:ext cx="3930840" cy="1598760"/>
+            <a:ext cx="3930480" cy="1598400"/>
           </a:xfrm>
           <a:prstGeom prst="rect">
             <a:avLst/>
@@ -6595,7 +6595,7 @@
         <p:spPr>
           <a:xfrm>
             <a:off x="6418800" y="2067480"/>
-            <a:ext cx="3930840" cy="3810240"/>
+            <a:ext cx="3930480" cy="3809880"/>
           </a:xfrm>
           <a:prstGeom prst="rect">
             <a:avLst/>
@@ -6616,7 +6616,7 @@
             <a:noAutofit/>
           </a:bodyPr>
           <a:p>
-            <a:pPr marL="285840" indent="-284400" algn="just">
+            <a:pPr marL="285840" indent="-284040" algn="just">
               <a:lnSpc>
                 <a:spcPct val="100000"/>
               </a:lnSpc>
@@ -6648,7 +6648,7 @@
             </a:endParaRPr>
           </a:p>
           <a:p>
-            <a:pPr marL="285840" indent="-284400" algn="just">
+            <a:pPr marL="285840" indent="-284040" algn="just">
               <a:lnSpc>
                 <a:spcPct val="100000"/>
               </a:lnSpc>
@@ -6680,7 +6680,7 @@
             </a:endParaRPr>
           </a:p>
           <a:p>
-            <a:pPr marL="285840" indent="-284400" algn="just">
+            <a:pPr marL="285840" indent="-284040" algn="just">
               <a:lnSpc>
                 <a:spcPct val="100000"/>
               </a:lnSpc>
@@ -6726,7 +6726,7 @@
         <p:spPr>
           <a:xfrm>
             <a:off x="1940760" y="780840"/>
-            <a:ext cx="3146760" cy="5096880"/>
+            <a:ext cx="3146400" cy="5096520"/>
           </a:xfrm>
           <a:prstGeom prst="rect">
             <a:avLst/>
@@ -6775,7 +6775,7 @@
         <p:spPr>
           <a:xfrm>
             <a:off x="6564600" y="560160"/>
-            <a:ext cx="3930840" cy="1598760"/>
+            <a:ext cx="3930480" cy="1598400"/>
           </a:xfrm>
           <a:prstGeom prst="rect">
             <a:avLst/>
@@ -6826,7 +6826,7 @@
         <p:spPr>
           <a:xfrm>
             <a:off x="6564600" y="2067480"/>
-            <a:ext cx="3930840" cy="3810240"/>
+            <a:ext cx="3930480" cy="3809880"/>
           </a:xfrm>
           <a:prstGeom prst="rect">
             <a:avLst/>
@@ -6847,7 +6847,7 @@
             <a:noAutofit/>
           </a:bodyPr>
           <a:p>
-            <a:pPr marL="285840" indent="-284400" algn="just">
+            <a:pPr marL="285840" indent="-284040" algn="just">
               <a:lnSpc>
                 <a:spcPct val="100000"/>
               </a:lnSpc>
@@ -6879,7 +6879,7 @@
             </a:endParaRPr>
           </a:p>
           <a:p>
-            <a:pPr marL="285840" indent="-284400" algn="just">
+            <a:pPr marL="285840" indent="-284040" algn="just">
               <a:lnSpc>
                 <a:spcPct val="100000"/>
               </a:lnSpc>
@@ -6921,7 +6921,7 @@
             </a:endParaRPr>
           </a:p>
           <a:p>
-            <a:pPr marL="285840" indent="-284400" algn="just">
+            <a:pPr marL="285840" indent="-284040" algn="just">
               <a:lnSpc>
                 <a:spcPct val="100000"/>
               </a:lnSpc>
@@ -6967,7 +6967,7 @@
         <p:spPr>
           <a:xfrm>
             <a:off x="2027520" y="779760"/>
-            <a:ext cx="3086280" cy="5227560"/>
+            <a:ext cx="3085920" cy="5227200"/>
           </a:xfrm>
           <a:prstGeom prst="rect">
             <a:avLst/>
@@ -7016,7 +7016,7 @@
         <p:spPr>
           <a:xfrm>
             <a:off x="1296000" y="560160"/>
-            <a:ext cx="9647280" cy="1598760"/>
+            <a:ext cx="9646920" cy="1598400"/>
           </a:xfrm>
           <a:prstGeom prst="rect">
             <a:avLst/>
@@ -7067,7 +7067,7 @@
         <p:spPr>
           <a:xfrm>
             <a:off x="1296000" y="2067480"/>
-            <a:ext cx="9647280" cy="3810240"/>
+            <a:ext cx="9646920" cy="3809880"/>
           </a:xfrm>
           <a:prstGeom prst="rect">
             <a:avLst/>
@@ -7148,7 +7148,7 @@
         <p:spPr>
           <a:xfrm>
             <a:off x="1296000" y="560160"/>
-            <a:ext cx="9646560" cy="1598040"/>
+            <a:ext cx="9646200" cy="1597680"/>
           </a:xfrm>
           <a:prstGeom prst="rect">
             <a:avLst/>
@@ -7199,7 +7199,7 @@
         <p:spPr>
           <a:xfrm>
             <a:off x="1296000" y="2067480"/>
-            <a:ext cx="9646560" cy="3809520"/>
+            <a:ext cx="9646200" cy="3809160"/>
           </a:xfrm>
           <a:prstGeom prst="rect">
             <a:avLst/>
@@ -7233,17 +7233,7 @@
                 <a:latin typeface="Arial"/>
                 <a:ea typeface="Noto Sans CJK SC"/>
               </a:rPr>
-              <a:t>‘</a:t>
-            </a:r>
-            <a:r>
-              <a:rPr b="0" lang="pt-BR" sz="1800" spc="-1" strike="noStrike">
-                <a:solidFill>
-                  <a:srgbClr val="602636"/>
-                </a:solidFill>
-                <a:latin typeface="Arial"/>
-                <a:ea typeface="Noto Sans CJK SC"/>
-              </a:rPr>
-              <a:t>App’ do projeto para o terceiro setor denominado ‘Mãe Gestante’. Com todas as views básicas do MVC. Que, utiliza um banco de dados interno para armazenar dados não sensíveis e configurações e, acessa dados do banco relacional do sistema via ‘Api’.</a:t>
+              <a:t>https://viewer.diagrams.net/?tags=%7B%7D&amp;highlight=0000ff&amp;edit=_blank&amp;layers=1&amp;nav=1&amp;title=Mae_Gestante-App.drawio#Uhttps%3A%2F%2Fraw.githubusercontent.com%2Fdouggonsouza%2Fmae_gestante%2Fmain%2FMae_Gestante-App.drawio</a:t>
             </a:r>
             <a:endParaRPr b="0" lang="pt-BR" sz="1800" spc="-1" strike="noStrike">
               <a:latin typeface="Arial"/>
@@ -7290,7 +7280,7 @@
         <p:spPr>
           <a:xfrm>
             <a:off x="1512000" y="732240"/>
-            <a:ext cx="9143640" cy="1360080"/>
+            <a:ext cx="9143280" cy="1359720"/>
           </a:xfrm>
           <a:prstGeom prst="rect">
             <a:avLst/>
@@ -7341,7 +7331,7 @@
         <p:spPr>
           <a:xfrm>
             <a:off x="1512000" y="2424240"/>
-            <a:ext cx="9143640" cy="2675160"/>
+            <a:ext cx="9143280" cy="2674800"/>
           </a:xfrm>
           <a:prstGeom prst="rect">
             <a:avLst/>
@@ -7362,7 +7352,7 @@
             <a:normAutofit/>
           </a:bodyPr>
           <a:p>
-            <a:pPr marL="285840" indent="-284400" algn="ctr">
+            <a:pPr marL="285840" indent="-284040" algn="ctr">
               <a:lnSpc>
                 <a:spcPct val="100000"/>
               </a:lnSpc>
@@ -7410,7 +7400,7 @@
             </a:endParaRPr>
           </a:p>
           <a:p>
-            <a:pPr marL="285840" indent="-284400" algn="ctr">
+            <a:pPr marL="285840" indent="-284040" algn="ctr">
               <a:lnSpc>
                 <a:spcPct val="100000"/>
               </a:lnSpc>
@@ -7458,7 +7448,7 @@
             </a:endParaRPr>
           </a:p>
           <a:p>
-            <a:pPr marL="285840" indent="-284400" algn="ctr">
+            <a:pPr marL="285840" indent="-284040" algn="ctr">
               <a:lnSpc>
                 <a:spcPct val="100000"/>
               </a:lnSpc>
@@ -7530,7 +7520,7 @@
         <p:spPr>
           <a:xfrm>
             <a:off x="2692440" y="1871280"/>
-            <a:ext cx="6814080" cy="1514160"/>
+            <a:ext cx="6813720" cy="1513800"/>
           </a:xfrm>
           <a:prstGeom prst="rect">
             <a:avLst/>
@@ -7581,7 +7571,7 @@
         <p:spPr>
           <a:xfrm>
             <a:off x="2692440" y="3511800"/>
-            <a:ext cx="6814080" cy="1774440"/>
+            <a:ext cx="6813720" cy="1774080"/>
           </a:xfrm>
           <a:prstGeom prst="rect">
             <a:avLst/>
@@ -7824,7 +7814,7 @@
         <p:spPr>
           <a:xfrm>
             <a:off x="6863400" y="732240"/>
-            <a:ext cx="3465720" cy="1360080"/>
+            <a:ext cx="3465360" cy="1359720"/>
           </a:xfrm>
           <a:prstGeom prst="rect">
             <a:avLst/>
@@ -7875,7 +7865,7 @@
         <p:spPr>
           <a:xfrm>
             <a:off x="6630840" y="2424240"/>
-            <a:ext cx="3930840" cy="2675160"/>
+            <a:ext cx="3930480" cy="2674800"/>
           </a:xfrm>
           <a:prstGeom prst="rect">
             <a:avLst/>
@@ -7896,7 +7886,7 @@
             <a:normAutofit fontScale="76000"/>
           </a:bodyPr>
           <a:p>
-            <a:pPr marL="285840" indent="-284400" algn="just">
+            <a:pPr marL="285840" indent="-284040" algn="just">
               <a:lnSpc>
                 <a:spcPct val="100000"/>
               </a:lnSpc>
@@ -7928,7 +7918,7 @@
             </a:endParaRPr>
           </a:p>
           <a:p>
-            <a:pPr marL="285840" indent="-284400" algn="just">
+            <a:pPr marL="285840" indent="-284040" algn="just">
               <a:lnSpc>
                 <a:spcPct val="100000"/>
               </a:lnSpc>
@@ -7960,7 +7950,7 @@
             </a:endParaRPr>
           </a:p>
           <a:p>
-            <a:pPr marL="285840" indent="-284400" algn="just">
+            <a:pPr marL="285840" indent="-284040" algn="just">
               <a:lnSpc>
                 <a:spcPct val="100000"/>
               </a:lnSpc>
@@ -8006,7 +7996,7 @@
         <p:spPr>
           <a:xfrm>
             <a:off x="2024280" y="872280"/>
-            <a:ext cx="3106800" cy="5208840"/>
+            <a:ext cx="3106440" cy="5208480"/>
           </a:xfrm>
           <a:prstGeom prst="rect">
             <a:avLst/>
@@ -8055,7 +8045,7 @@
         <p:spPr>
           <a:xfrm>
             <a:off x="6657480" y="608760"/>
-            <a:ext cx="3930840" cy="1598760"/>
+            <a:ext cx="3930480" cy="1598400"/>
           </a:xfrm>
           <a:prstGeom prst="rect">
             <a:avLst/>
@@ -8106,7 +8096,7 @@
         <p:spPr>
           <a:xfrm>
             <a:off x="6657480" y="2208960"/>
-            <a:ext cx="3930840" cy="3810240"/>
+            <a:ext cx="3930480" cy="3809880"/>
           </a:xfrm>
           <a:prstGeom prst="rect">
             <a:avLst/>
@@ -8127,7 +8117,7 @@
             <a:noAutofit/>
           </a:bodyPr>
           <a:p>
-            <a:pPr marL="285840" indent="-284400">
+            <a:pPr marL="285840" indent="-284040">
               <a:lnSpc>
                 <a:spcPct val="100000"/>
               </a:lnSpc>
@@ -8159,7 +8149,7 @@
             </a:endParaRPr>
           </a:p>
           <a:p>
-            <a:pPr marL="285840" indent="-284400">
+            <a:pPr marL="285840" indent="-284040">
               <a:lnSpc>
                 <a:spcPct val="100000"/>
               </a:lnSpc>
@@ -8205,7 +8195,7 @@
         <p:spPr>
           <a:xfrm>
             <a:off x="2213280" y="772200"/>
-            <a:ext cx="2980080" cy="5247000"/>
+            <a:ext cx="2979720" cy="5246640"/>
           </a:xfrm>
           <a:prstGeom prst="rect">
             <a:avLst/>
@@ -8254,7 +8244,7 @@
         <p:spPr>
           <a:xfrm>
             <a:off x="6617880" y="573480"/>
-            <a:ext cx="3930840" cy="1598760"/>
+            <a:ext cx="3930480" cy="1598400"/>
           </a:xfrm>
           <a:prstGeom prst="rect">
             <a:avLst/>
@@ -8305,7 +8295,7 @@
         <p:spPr>
           <a:xfrm>
             <a:off x="6617880" y="2173680"/>
-            <a:ext cx="3930840" cy="3810240"/>
+            <a:ext cx="3930480" cy="3809880"/>
           </a:xfrm>
           <a:prstGeom prst="rect">
             <a:avLst/>
@@ -8326,7 +8316,7 @@
             <a:noAutofit/>
           </a:bodyPr>
           <a:p>
-            <a:pPr marL="285840" indent="-284400">
+            <a:pPr marL="285840" indent="-284040">
               <a:lnSpc>
                 <a:spcPct val="100000"/>
               </a:lnSpc>
@@ -8358,7 +8348,7 @@
             </a:endParaRPr>
           </a:p>
           <a:p>
-            <a:pPr marL="285840" indent="-284400">
+            <a:pPr marL="285840" indent="-284040">
               <a:lnSpc>
                 <a:spcPct val="100000"/>
               </a:lnSpc>
@@ -8390,7 +8380,7 @@
             </a:endParaRPr>
           </a:p>
           <a:p>
-            <a:pPr marL="285840" indent="-284400">
+            <a:pPr marL="285840" indent="-284040">
               <a:lnSpc>
                 <a:spcPct val="100000"/>
               </a:lnSpc>
@@ -8446,7 +8436,7 @@
         <p:spPr>
           <a:xfrm>
             <a:off x="1974600" y="705960"/>
-            <a:ext cx="3046680" cy="5522760"/>
+            <a:ext cx="3046320" cy="5522400"/>
           </a:xfrm>
           <a:prstGeom prst="rect">
             <a:avLst/>
@@ -8495,7 +8485,7 @@
         <p:spPr>
           <a:xfrm>
             <a:off x="6684120" y="560160"/>
-            <a:ext cx="3930840" cy="1598760"/>
+            <a:ext cx="3930480" cy="1598400"/>
           </a:xfrm>
           <a:prstGeom prst="rect">
             <a:avLst/>
@@ -8556,7 +8546,7 @@
         <p:spPr>
           <a:xfrm>
             <a:off x="6684120" y="2067480"/>
-            <a:ext cx="3930840" cy="3810240"/>
+            <a:ext cx="3930480" cy="3809880"/>
           </a:xfrm>
           <a:prstGeom prst="rect">
             <a:avLst/>
@@ -8577,7 +8567,7 @@
             <a:noAutofit/>
           </a:bodyPr>
           <a:p>
-            <a:pPr marL="285840" indent="-284400" algn="just">
+            <a:pPr marL="285840" indent="-284040" algn="just">
               <a:lnSpc>
                 <a:spcPct val="100000"/>
               </a:lnSpc>
@@ -8609,7 +8599,7 @@
             </a:endParaRPr>
           </a:p>
           <a:p>
-            <a:pPr marL="285840" indent="-284400" algn="just">
+            <a:pPr marL="285840" indent="-284040" algn="just">
               <a:lnSpc>
                 <a:spcPct val="100000"/>
               </a:lnSpc>
@@ -8655,7 +8645,7 @@
         <p:spPr>
           <a:xfrm>
             <a:off x="2169720" y="706680"/>
-            <a:ext cx="3286440" cy="5441040"/>
+            <a:ext cx="3286080" cy="5440680"/>
           </a:xfrm>
           <a:prstGeom prst="rect">
             <a:avLst/>
@@ -8704,7 +8694,7 @@
         <p:spPr>
           <a:xfrm>
             <a:off x="6432120" y="653040"/>
-            <a:ext cx="3930840" cy="1598760"/>
+            <a:ext cx="3930480" cy="1598400"/>
           </a:xfrm>
           <a:prstGeom prst="rect">
             <a:avLst/>
@@ -8765,7 +8755,7 @@
         <p:spPr>
           <a:xfrm>
             <a:off x="6432120" y="2054160"/>
-            <a:ext cx="3930840" cy="3810240"/>
+            <a:ext cx="3930480" cy="3809880"/>
           </a:xfrm>
           <a:prstGeom prst="rect">
             <a:avLst/>
@@ -8786,7 +8776,7 @@
             <a:noAutofit/>
           </a:bodyPr>
           <a:p>
-            <a:pPr marL="285840" indent="-284400" algn="just">
+            <a:pPr marL="285840" indent="-284040" algn="just">
               <a:lnSpc>
                 <a:spcPct val="100000"/>
               </a:lnSpc>
@@ -8818,7 +8808,7 @@
             </a:endParaRPr>
           </a:p>
           <a:p>
-            <a:pPr marL="285840" indent="-284400" algn="just">
+            <a:pPr marL="285840" indent="-284040" algn="just">
               <a:lnSpc>
                 <a:spcPct val="100000"/>
               </a:lnSpc>
@@ -8850,7 +8840,7 @@
             </a:endParaRPr>
           </a:p>
           <a:p>
-            <a:pPr marL="285840" indent="-284400" algn="just">
+            <a:pPr marL="285840" indent="-284040" algn="just">
               <a:lnSpc>
                 <a:spcPct val="100000"/>
               </a:lnSpc>
@@ -8896,7 +8886,7 @@
         <p:spPr>
           <a:xfrm>
             <a:off x="2024280" y="745920"/>
-            <a:ext cx="3074040" cy="5361840"/>
+            <a:ext cx="3073680" cy="5361480"/>
           </a:xfrm>
           <a:prstGeom prst="rect">
             <a:avLst/>
@@ -8945,7 +8935,7 @@
         <p:spPr>
           <a:xfrm>
             <a:off x="6233400" y="520200"/>
-            <a:ext cx="3930840" cy="1598760"/>
+            <a:ext cx="3930480" cy="1598400"/>
           </a:xfrm>
           <a:prstGeom prst="rect">
             <a:avLst/>
@@ -9006,7 +8996,7 @@
         <p:spPr>
           <a:xfrm>
             <a:off x="6233400" y="2218320"/>
-            <a:ext cx="3930840" cy="3810240"/>
+            <a:ext cx="3930480" cy="3809880"/>
           </a:xfrm>
           <a:prstGeom prst="rect">
             <a:avLst/>
@@ -9027,7 +9017,7 @@
             <a:noAutofit/>
           </a:bodyPr>
           <a:p>
-            <a:pPr marL="285840" indent="-284400" algn="just">
+            <a:pPr marL="285840" indent="-284040" algn="just">
               <a:lnSpc>
                 <a:spcPct val="100000"/>
               </a:lnSpc>
@@ -9059,7 +9049,7 @@
             </a:endParaRPr>
           </a:p>
           <a:p>
-            <a:pPr marL="285840" indent="-284400" algn="just">
+            <a:pPr marL="285840" indent="-284040" algn="just">
               <a:lnSpc>
                 <a:spcPct val="100000"/>
               </a:lnSpc>
@@ -9091,7 +9081,7 @@
             </a:endParaRPr>
           </a:p>
           <a:p>
-            <a:pPr marL="285840" indent="-284400" algn="just">
+            <a:pPr marL="285840" indent="-284040" algn="just">
               <a:lnSpc>
                 <a:spcPct val="100000"/>
               </a:lnSpc>
@@ -9137,7 +9127,7 @@
         <p:spPr>
           <a:xfrm>
             <a:off x="1776600" y="785520"/>
-            <a:ext cx="3204720" cy="5469480"/>
+            <a:ext cx="3204360" cy="5469120"/>
           </a:xfrm>
           <a:prstGeom prst="rect">
             <a:avLst/>
@@ -9186,7 +9176,7 @@
         <p:spPr>
           <a:xfrm>
             <a:off x="6538320" y="467280"/>
-            <a:ext cx="3930840" cy="1598760"/>
+            <a:ext cx="3930480" cy="1598400"/>
           </a:xfrm>
           <a:prstGeom prst="rect">
             <a:avLst/>
@@ -9237,7 +9227,7 @@
         <p:spPr>
           <a:xfrm>
             <a:off x="6538320" y="2067480"/>
-            <a:ext cx="3930840" cy="3810240"/>
+            <a:ext cx="3930480" cy="3809880"/>
           </a:xfrm>
           <a:prstGeom prst="rect">
             <a:avLst/>
@@ -9258,7 +9248,7 @@
             <a:noAutofit/>
           </a:bodyPr>
           <a:p>
-            <a:pPr marL="285840" indent="-284400" algn="just">
+            <a:pPr marL="285840" indent="-284040" algn="just">
               <a:lnSpc>
                 <a:spcPct val="100000"/>
               </a:lnSpc>
@@ -9290,7 +9280,7 @@
             </a:endParaRPr>
           </a:p>
           <a:p>
-            <a:pPr marL="285840" indent="-284400" algn="just">
+            <a:pPr marL="285840" indent="-284040" algn="just">
               <a:lnSpc>
                 <a:spcPct val="100000"/>
               </a:lnSpc>
@@ -9322,7 +9312,7 @@
             </a:endParaRPr>
           </a:p>
           <a:p>
-            <a:pPr marL="285840" indent="-284400" algn="just">
+            <a:pPr marL="285840" indent="-284040" algn="just">
               <a:lnSpc>
                 <a:spcPct val="100000"/>
               </a:lnSpc>
@@ -9368,7 +9358,7 @@
         <p:spPr>
           <a:xfrm>
             <a:off x="2028960" y="786240"/>
-            <a:ext cx="2992320" cy="5303520"/>
+            <a:ext cx="2991960" cy="5303160"/>
           </a:xfrm>
           <a:prstGeom prst="rect">
             <a:avLst/>
